--- a/Documentation/499A/Final Project Presentation.pptx
+++ b/Documentation/499A/Final Project Presentation.pptx
@@ -2996,7 +2996,7 @@
           <p:cNvPr id="2" name="Title 1">
             <a:extLst>
               <a:ext uri="{FF2B5EF4-FFF2-40B4-BE49-F238E27FC236}">
-                <a16:creationId xmlns="" xmlns:a16="http://schemas.microsoft.com/office/drawing/2014/main" id="{8AC180D2-FBD6-4590-878C-3F6FAC508489}"/>
+                <a16:creationId xmlns:a16="http://schemas.microsoft.com/office/drawing/2014/main" xmlns="" id="{8AC180D2-FBD6-4590-878C-3F6FAC508489}"/>
               </a:ext>
             </a:extLst>
           </p:cNvPr>
@@ -3076,7 +3076,7 @@
           <p:cNvPr id="3" name="Subtitle 2">
             <a:extLst>
               <a:ext uri="{FF2B5EF4-FFF2-40B4-BE49-F238E27FC236}">
-                <a16:creationId xmlns="" xmlns:a16="http://schemas.microsoft.com/office/drawing/2014/main" id="{E9098B29-82EA-403B-AA81-43305A1BE576}"/>
+                <a16:creationId xmlns:a16="http://schemas.microsoft.com/office/drawing/2014/main" xmlns="" id="{E9098B29-82EA-403B-AA81-43305A1BE576}"/>
               </a:ext>
             </a:extLst>
           </p:cNvPr>
@@ -3264,7 +3264,7 @@
           <p:cNvPr id="2" name="TextBox 1">
             <a:extLst>
               <a:ext uri="{FF2B5EF4-FFF2-40B4-BE49-F238E27FC236}">
-                <a16:creationId xmlns="" xmlns:a16="http://schemas.microsoft.com/office/drawing/2014/main" id="{5A1A29FA-8A5E-4F01-91DA-DFF5403AF0F9}"/>
+                <a16:creationId xmlns:a16="http://schemas.microsoft.com/office/drawing/2014/main" xmlns="" id="{5A1A29FA-8A5E-4F01-91DA-DFF5403AF0F9}"/>
               </a:ext>
             </a:extLst>
           </p:cNvPr>
@@ -3343,7 +3343,15 @@
                 <a:ea typeface="Times New Roman" panose="02020603050405020304" pitchFamily="18" charset="0"/>
                 <a:cs typeface="Times New Roman" panose="02020603050405020304" pitchFamily="18" charset="0"/>
               </a:rPr>
-              <a:t>to create a model to classify respiratory diseases </a:t>
+              <a:t>to create a model to classify respiratory diseases from </a:t>
+            </a:r>
+            <a:r>
+              <a:rPr lang="en-US" sz="2400" dirty="0" smtClean="0">
+                <a:latin typeface="Times New Roman" panose="02020603050405020304" pitchFamily="18" charset="0"/>
+                <a:ea typeface="Times New Roman" panose="02020603050405020304" pitchFamily="18" charset="0"/>
+                <a:cs typeface="Times New Roman" panose="02020603050405020304" pitchFamily="18" charset="0"/>
+              </a:rPr>
+              <a:t>voice data </a:t>
             </a:r>
             <a:r>
               <a:rPr lang="en-US" sz="2400" dirty="0" smtClean="0">
@@ -3352,33 +3360,7 @@
                 <a:ea typeface="Times New Roman" panose="02020603050405020304" pitchFamily="18" charset="0"/>
                 <a:cs typeface="Times New Roman" panose="02020603050405020304" pitchFamily="18" charset="0"/>
               </a:rPr>
-              <a:t>from </a:t>
-            </a:r>
-            <a:r>
-              <a:rPr lang="en-US" sz="2400" dirty="0" smtClean="0">
-                <a:latin typeface="Times New Roman" panose="02020603050405020304" pitchFamily="18" charset="0"/>
-                <a:ea typeface="Times New Roman" panose="02020603050405020304" pitchFamily="18" charset="0"/>
-                <a:cs typeface="Times New Roman" panose="02020603050405020304" pitchFamily="18" charset="0"/>
-              </a:rPr>
-              <a:t>voice data </a:t>
-            </a:r>
-            <a:r>
-              <a:rPr lang="en-US" sz="2400" dirty="0" smtClean="0">
-                <a:effectLst/>
-                <a:latin typeface="Times New Roman" panose="02020603050405020304" pitchFamily="18" charset="0"/>
-                <a:ea typeface="Times New Roman" panose="02020603050405020304" pitchFamily="18" charset="0"/>
-                <a:cs typeface="Times New Roman" panose="02020603050405020304" pitchFamily="18" charset="0"/>
-              </a:rPr>
-              <a:t>with </a:t>
-            </a:r>
-            <a:r>
-              <a:rPr lang="en-US" sz="2400" dirty="0" smtClean="0">
-                <a:effectLst/>
-                <a:latin typeface="Times New Roman" panose="02020603050405020304" pitchFamily="18" charset="0"/>
-                <a:ea typeface="Times New Roman" panose="02020603050405020304" pitchFamily="18" charset="0"/>
-                <a:cs typeface="Times New Roman" panose="02020603050405020304" pitchFamily="18" charset="0"/>
-              </a:rPr>
-              <a:t>better accuracy by </a:t>
+              <a:t>with better accuracy by </a:t>
             </a:r>
             <a:r>
               <a:rPr lang="en-US" sz="2400" dirty="0">
@@ -3494,7 +3476,7 @@
           <p:cNvPr id="2" name="TextBox 1">
             <a:extLst>
               <a:ext uri="{FF2B5EF4-FFF2-40B4-BE49-F238E27FC236}">
-                <a16:creationId xmlns="" xmlns:a16="http://schemas.microsoft.com/office/drawing/2014/main" id="{5A1A29FA-8A5E-4F01-91DA-DFF5403AF0F9}"/>
+                <a16:creationId xmlns:a16="http://schemas.microsoft.com/office/drawing/2014/main" xmlns="" id="{5A1A29FA-8A5E-4F01-91DA-DFF5403AF0F9}"/>
               </a:ext>
             </a:extLst>
           </p:cNvPr>
@@ -3503,8 +3485,8 @@
         </p:nvSpPr>
         <p:spPr>
           <a:xfrm>
-            <a:off x="936828" y="906023"/>
-            <a:ext cx="10359957" cy="5202450"/>
+            <a:off x="663873" y="0"/>
+            <a:ext cx="10359957" cy="6647974"/>
           </a:xfrm>
           <a:prstGeom prst="rect">
             <a:avLst/>
@@ -3635,6 +3617,7 @@
               <a:rPr lang="en-US" sz="2000" b="1" i="1" dirty="0" smtClean="0"/>
               <a:t> </a:t>
             </a:r>
+            <a:endParaRPr lang="en-US" sz="2000" b="1" i="1" dirty="0" smtClean="0"/>
           </a:p>
           <a:p>
             <a:pPr marL="285750" marR="0" indent="-285750">
@@ -3650,18 +3633,11 @@
               <a:buFont typeface="Arial" panose="020B0604020202020204" pitchFamily="34" charset="0"/>
               <a:buChar char="•"/>
             </a:pPr>
-            <a:endParaRPr lang="en-US" sz="2000" dirty="0" smtClean="0">
-              <a:solidFill>
-                <a:schemeClr val="accent3">
-                  <a:lumMod val="60000"/>
-                  <a:lumOff val="40000"/>
-                </a:schemeClr>
-              </a:solidFill>
-              <a:effectLst/>
-              <a:latin typeface="Calibri" panose="020F0502020204030204" pitchFamily="34" charset="0"/>
-              <a:ea typeface="Times New Roman" panose="02020603050405020304" pitchFamily="18" charset="0"/>
-              <a:cs typeface="Times New Roman" panose="02020603050405020304" pitchFamily="18" charset="0"/>
-            </a:endParaRPr>
+            <a:r>
+              <a:rPr lang="en-US" sz="2000" b="1" i="1" dirty="0"/>
+              <a:t>XRAY AI: Lung Disease Prediction Using Machine Learning ⦁ Improving Disease Prediction by Machine Learning</a:t>
+            </a:r>
+            <a:endParaRPr lang="en-US" sz="2000" b="1" i="1" dirty="0" smtClean="0"/>
           </a:p>
           <a:p>
             <a:pPr marR="0">
@@ -3675,13 +3651,45 @@
                 <a:spcPts val="1000"/>
               </a:spcAft>
             </a:pPr>
+            <a:endParaRPr lang="en-US" sz="2000" dirty="0">
+              <a:solidFill>
+                <a:schemeClr val="accent3">
+                  <a:lumMod val="60000"/>
+                  <a:lumOff val="40000"/>
+                </a:schemeClr>
+              </a:solidFill>
+              <a:latin typeface="Calibri" panose="020F0502020204030204" pitchFamily="34" charset="0"/>
+              <a:ea typeface="Times New Roman" panose="02020603050405020304" pitchFamily="18" charset="0"/>
+              <a:cs typeface="Times New Roman" panose="02020603050405020304" pitchFamily="18" charset="0"/>
+            </a:endParaRPr>
+          </a:p>
+          <a:p>
+            <a:pPr marR="0">
+              <a:lnSpc>
+                <a:spcPct val="200000"/>
+              </a:lnSpc>
+              <a:spcBef>
+                <a:spcPts val="0"/>
+              </a:spcBef>
+              <a:spcAft>
+                <a:spcPts val="1000"/>
+              </a:spcAft>
+            </a:pPr>
             <a:r>
               <a:rPr lang="en-US" sz="2000" b="1" dirty="0" smtClean="0">
                 <a:latin typeface="Calibri" panose="020F0502020204030204" pitchFamily="34" charset="0"/>
                 <a:ea typeface="Times New Roman" panose="02020603050405020304" pitchFamily="18" charset="0"/>
                 <a:cs typeface="Times New Roman" panose="02020603050405020304" pitchFamily="18" charset="0"/>
               </a:rPr>
-              <a:t>So far </a:t>
+              <a:t>So </a:t>
+            </a:r>
+            <a:r>
+              <a:rPr lang="en-US" sz="2000" b="1" dirty="0" smtClean="0">
+                <a:latin typeface="Calibri" panose="020F0502020204030204" pitchFamily="34" charset="0"/>
+                <a:ea typeface="Times New Roman" panose="02020603050405020304" pitchFamily="18" charset="0"/>
+                <a:cs typeface="Times New Roman" panose="02020603050405020304" pitchFamily="18" charset="0"/>
+              </a:rPr>
+              <a:t>far </a:t>
             </a:r>
             <a:r>
               <a:rPr lang="en-US" sz="2000" b="1" dirty="0" err="1" smtClean="0">
@@ -3747,7 +3755,7 @@
           <p:cNvPr id="2" name="TextBox 1">
             <a:extLst>
               <a:ext uri="{FF2B5EF4-FFF2-40B4-BE49-F238E27FC236}">
-                <a16:creationId xmlns="" xmlns:a16="http://schemas.microsoft.com/office/drawing/2014/main" id="{5A1A29FA-8A5E-4F01-91DA-DFF5403AF0F9}"/>
+                <a16:creationId xmlns:a16="http://schemas.microsoft.com/office/drawing/2014/main" xmlns="" id="{5A1A29FA-8A5E-4F01-91DA-DFF5403AF0F9}"/>
               </a:ext>
             </a:extLst>
           </p:cNvPr>
@@ -4082,7 +4090,7 @@
           <p:cNvPr id="2" name="TextBox 1">
             <a:extLst>
               <a:ext uri="{FF2B5EF4-FFF2-40B4-BE49-F238E27FC236}">
-                <a16:creationId xmlns="" xmlns:a16="http://schemas.microsoft.com/office/drawing/2014/main" id="{5A1A29FA-8A5E-4F01-91DA-DFF5403AF0F9}"/>
+                <a16:creationId xmlns:a16="http://schemas.microsoft.com/office/drawing/2014/main" xmlns="" id="{5A1A29FA-8A5E-4F01-91DA-DFF5403AF0F9}"/>
               </a:ext>
             </a:extLst>
           </p:cNvPr>
@@ -4303,7 +4311,7 @@
           <p:cNvPr id="2" name="TextBox 1">
             <a:extLst>
               <a:ext uri="{FF2B5EF4-FFF2-40B4-BE49-F238E27FC236}">
-                <a16:creationId xmlns="" xmlns:a16="http://schemas.microsoft.com/office/drawing/2014/main" id="{5A1A29FA-8A5E-4F01-91DA-DFF5403AF0F9}"/>
+                <a16:creationId xmlns:a16="http://schemas.microsoft.com/office/drawing/2014/main" xmlns="" id="{5A1A29FA-8A5E-4F01-91DA-DFF5403AF0F9}"/>
               </a:ext>
             </a:extLst>
           </p:cNvPr>
@@ -4682,7 +4690,7 @@
           <p:cNvPr id="2" name="TextBox 1">
             <a:extLst>
               <a:ext uri="{FF2B5EF4-FFF2-40B4-BE49-F238E27FC236}">
-                <a16:creationId xmlns="" xmlns:a16="http://schemas.microsoft.com/office/drawing/2014/main" id="{5A1A29FA-8A5E-4F01-91DA-DFF5403AF0F9}"/>
+                <a16:creationId xmlns:a16="http://schemas.microsoft.com/office/drawing/2014/main" xmlns="" id="{5A1A29FA-8A5E-4F01-91DA-DFF5403AF0F9}"/>
               </a:ext>
             </a:extLst>
           </p:cNvPr>
@@ -4836,7 +4844,7 @@
           <p:cNvPr id="2" name="TextBox 1">
             <a:extLst>
               <a:ext uri="{FF2B5EF4-FFF2-40B4-BE49-F238E27FC236}">
-                <a16:creationId xmlns="" xmlns:a16="http://schemas.microsoft.com/office/drawing/2014/main" id="{5A1A29FA-8A5E-4F01-91DA-DFF5403AF0F9}"/>
+                <a16:creationId xmlns:a16="http://schemas.microsoft.com/office/drawing/2014/main" xmlns="" id="{5A1A29FA-8A5E-4F01-91DA-DFF5403AF0F9}"/>
               </a:ext>
             </a:extLst>
           </p:cNvPr>
